--- a/Area de Proceso REQM/PGREQM/PGREQM_V0.1_2016.pptx
+++ b/Area de Proceso REQM/PGREQM/PGREQM_V0.1_2016.pptx
@@ -4359,7 +4359,7 @@
           <a:p>
             <a:fld id="{56F99C03-A70A-4B29-84B2-81DDC41A991A}" type="datetimeFigureOut">
               <a:rPr lang="es-PE" smtClean="0"/>
-              <a:t>20/06/2016</a:t>
+              <a:t>14/07/2016</a:t>
             </a:fld>
             <a:endParaRPr lang="es-PE"/>
           </a:p>
@@ -5575,7 +5575,7 @@
           <a:p>
             <a:fld id="{216C5678-EE20-4FA5-88E2-6E0BD67A2E26}" type="datetime1">
               <a:rPr lang="en-US" smtClean="0"/>
-              <a:t>6/20/2016</a:t>
+              <a:t>7/14/2016</a:t>
             </a:fld>
             <a:endParaRPr lang="en-US" dirty="0"/>
           </a:p>
@@ -5745,7 +5745,7 @@
           <a:p>
             <a:fld id="{EA051B39-B140-43FE-96DB-472A2B59CE7C}" type="datetime1">
               <a:rPr lang="en-US" smtClean="0"/>
-              <a:t>6/20/2016</a:t>
+              <a:t>7/14/2016</a:t>
             </a:fld>
             <a:endParaRPr lang="en-US"/>
           </a:p>
@@ -5925,7 +5925,7 @@
           <a:p>
             <a:fld id="{DA600BB2-27C5-458B-ABCE-839C88CF47CE}" type="datetime1">
               <a:rPr lang="en-US" smtClean="0"/>
-              <a:t>6/20/2016</a:t>
+              <a:t>7/14/2016</a:t>
             </a:fld>
             <a:endParaRPr lang="en-US"/>
           </a:p>
@@ -6113,7 +6113,7 @@
           <a:p>
             <a:fld id="{B11D738E-8962-435F-8C43-147B8DD7E819}" type="datetime1">
               <a:rPr lang="en-US" smtClean="0"/>
-              <a:t>6/20/2016</a:t>
+              <a:t>7/14/2016</a:t>
             </a:fld>
             <a:endParaRPr lang="en-US"/>
           </a:p>
@@ -6380,7 +6380,7 @@
           <a:p>
             <a:fld id="{09CAEA93-55E7-4DA9-90C2-089A26EEFEC4}" type="datetime1">
               <a:rPr lang="en-US" smtClean="0"/>
-              <a:t>6/20/2016</a:t>
+              <a:t>7/14/2016</a:t>
             </a:fld>
             <a:endParaRPr lang="en-US"/>
           </a:p>
@@ -6733,7 +6733,7 @@
           <a:p>
             <a:fld id="{E34CF3C7-6809-4F39-BD67-A75817BDDE0A}" type="datetime1">
               <a:rPr lang="en-US" smtClean="0"/>
-              <a:t>6/20/2016</a:t>
+              <a:t>7/14/2016</a:t>
             </a:fld>
             <a:endParaRPr lang="en-US"/>
           </a:p>
@@ -7046,7 +7046,7 @@
           <a:p>
             <a:fld id="{F7EAEB24-CE78-465C-A726-91D0868FA48F}" type="datetime1">
               <a:rPr lang="en-US" smtClean="0"/>
-              <a:t>6/20/2016</a:t>
+              <a:t>7/14/2016</a:t>
             </a:fld>
             <a:endParaRPr lang="en-US"/>
           </a:p>
@@ -7278,7 +7278,7 @@
           <a:p>
             <a:fld id="{40BAADF0-1749-4E8B-9691-B44A5F8C0895}" type="datetime1">
               <a:rPr lang="en-US" smtClean="0"/>
-              <a:t>6/20/2016</a:t>
+              <a:t>7/14/2016</a:t>
             </a:fld>
             <a:endParaRPr lang="en-US"/>
           </a:p>
@@ -7373,7 +7373,7 @@
           <a:p>
             <a:fld id="{A8AF628A-A867-4937-BBE5-207DB6F9C51A}" type="datetime1">
               <a:rPr lang="en-US" smtClean="0"/>
-              <a:t>6/20/2016</a:t>
+              <a:t>7/14/2016</a:t>
             </a:fld>
             <a:endParaRPr lang="en-US"/>
           </a:p>
@@ -7666,7 +7666,7 @@
           <a:p>
             <a:fld id="{118BBB94-68E6-4675-A946-F1C5994EDBD7}" type="datetime1">
               <a:rPr lang="en-US" smtClean="0"/>
-              <a:t>6/20/2016</a:t>
+              <a:t>7/14/2016</a:t>
             </a:fld>
             <a:endParaRPr lang="en-US"/>
           </a:p>
@@ -7940,7 +7940,7 @@
           <a:p>
             <a:fld id="{DC3B8377-21E3-4835-B75D-4E2847E2750F}" type="datetime1">
               <a:rPr lang="en-US" smtClean="0"/>
-              <a:t>6/20/2016</a:t>
+              <a:t>7/14/2016</a:t>
             </a:fld>
             <a:endParaRPr lang="en-US"/>
           </a:p>
@@ -8155,7 +8155,7 @@
           <a:p>
             <a:fld id="{B0C4986D-6BE9-4264-908F-02DB36FD8D6C}" type="datetime1">
               <a:rPr lang="en-US" smtClean="0"/>
-              <a:t>6/20/2016</a:t>
+              <a:t>7/14/2016</a:t>
             </a:fld>
             <a:endParaRPr lang="en-US" dirty="0"/>
           </a:p>
@@ -8696,7 +8696,7 @@
           <a:p>
             <a:fld id="{216C5678-EE20-4FA5-88E2-6E0BD67A2E26}" type="datetime1">
               <a:rPr lang="en-US" smtClean="0"/>
-              <a:t>6/20/2016</a:t>
+              <a:t>7/14/2016</a:t>
             </a:fld>
             <a:endParaRPr lang="en-US" dirty="0"/>
           </a:p>
@@ -9129,7 +9129,7 @@
           <a:p>
             <a:fld id="{216C5678-EE20-4FA5-88E2-6E0BD67A2E26}" type="datetime1">
               <a:rPr lang="en-US" smtClean="0"/>
-              <a:t>6/20/2016</a:t>
+              <a:t>7/14/2016</a:t>
             </a:fld>
             <a:endParaRPr lang="en-US" dirty="0"/>
           </a:p>
@@ -9642,7 +9642,7 @@
           <a:p>
             <a:fld id="{216C5678-EE20-4FA5-88E2-6E0BD67A2E26}" type="datetime1">
               <a:rPr lang="en-US" smtClean="0"/>
-              <a:t>6/20/2016</a:t>
+              <a:t>7/14/2016</a:t>
             </a:fld>
             <a:endParaRPr lang="en-US" dirty="0"/>
           </a:p>
@@ -9805,7 +9805,7 @@
           <a:p>
             <a:fld id="{216C5678-EE20-4FA5-88E2-6E0BD67A2E26}" type="datetime1">
               <a:rPr lang="en-US" smtClean="0"/>
-              <a:t>6/20/2016</a:t>
+              <a:t>7/14/2016</a:t>
             </a:fld>
             <a:endParaRPr lang="en-US" dirty="0"/>
           </a:p>
@@ -10020,7 +10020,7 @@
           <a:p>
             <a:fld id="{216C5678-EE20-4FA5-88E2-6E0BD67A2E26}" type="datetime1">
               <a:rPr lang="en-US" smtClean="0"/>
-              <a:t>6/20/2016</a:t>
+              <a:t>7/14/2016</a:t>
             </a:fld>
             <a:endParaRPr lang="en-US" dirty="0"/>
           </a:p>
@@ -14720,7 +14720,7 @@
           <a:p>
             <a:fld id="{216C5678-EE20-4FA5-88E2-6E0BD67A2E26}" type="datetime1">
               <a:rPr lang="en-US" smtClean="0"/>
-              <a:t>6/20/2016</a:t>
+              <a:t>7/14/2016</a:t>
             </a:fld>
             <a:endParaRPr lang="en-US" dirty="0"/>
           </a:p>
@@ -15737,7 +15737,7 @@
           <a:p>
             <a:fld id="{216C5678-EE20-4FA5-88E2-6E0BD67A2E26}" type="datetime1">
               <a:rPr lang="en-US" smtClean="0"/>
-              <a:t>6/20/2016</a:t>
+              <a:t>7/14/2016</a:t>
             </a:fld>
             <a:endParaRPr lang="en-US" dirty="0"/>
           </a:p>
@@ -16047,7 +16047,7 @@
           <a:p>
             <a:fld id="{216C5678-EE20-4FA5-88E2-6E0BD67A2E26}" type="datetime1">
               <a:rPr lang="en-US" smtClean="0"/>
-              <a:t>6/20/2016</a:t>
+              <a:t>7/14/2016</a:t>
             </a:fld>
             <a:endParaRPr lang="en-US" dirty="0"/>
           </a:p>
@@ -16290,7 +16290,7 @@
           <a:p>
             <a:fld id="{216C5678-EE20-4FA5-88E2-6E0BD67A2E26}" type="datetime1">
               <a:rPr lang="en-US" smtClean="0"/>
-              <a:t>6/20/2016</a:t>
+              <a:t>7/14/2016</a:t>
             </a:fld>
             <a:endParaRPr lang="en-US" dirty="0"/>
           </a:p>
@@ -16511,7 +16511,7 @@
           <a:p>
             <a:fld id="{216C5678-EE20-4FA5-88E2-6E0BD67A2E26}" type="datetime1">
               <a:rPr lang="en-US" smtClean="0"/>
-              <a:t>6/20/2016</a:t>
+              <a:t>7/14/2016</a:t>
             </a:fld>
             <a:endParaRPr lang="en-US" dirty="0"/>
           </a:p>
@@ -16708,7 +16708,7 @@
           <a:p>
             <a:fld id="{216C5678-EE20-4FA5-88E2-6E0BD67A2E26}" type="datetime1">
               <a:rPr lang="en-US" smtClean="0"/>
-              <a:t>6/20/2016</a:t>
+              <a:t>7/14/2016</a:t>
             </a:fld>
             <a:endParaRPr lang="en-US" dirty="0"/>
           </a:p>
@@ -19074,7 +19074,7 @@
           <a:p>
             <a:fld id="{216C5678-EE20-4FA5-88E2-6E0BD67A2E26}" type="datetime1">
               <a:rPr lang="en-US" smtClean="0"/>
-              <a:t>6/20/2016</a:t>
+              <a:t>7/14/2016</a:t>
             </a:fld>
             <a:endParaRPr lang="en-US" dirty="0"/>
           </a:p>
@@ -19202,7 +19202,7 @@
           <p:nvPr>
             <p:extLst>
               <p:ext uri="{D42A27DB-BD31-4B8C-83A1-F6EECF244321}">
-                <p14:modId xmlns:p14="http://schemas.microsoft.com/office/powerpoint/2010/main" val="710070030"/>
+                <p14:modId xmlns:p14="http://schemas.microsoft.com/office/powerpoint/2010/main" val="3198162898"/>
               </p:ext>
             </p:extLst>
           </p:nvPr>
@@ -19488,14 +19488,6 @@
                         </a:rPr>
                         <a:t>13/06/2016</a:t>
                       </a:r>
-                      <a:endParaRPr lang="es-ES" sz="1200" b="1" kern="1200" dirty="0" smtClean="0">
-                        <a:solidFill>
-                          <a:schemeClr val="dk1"/>
-                        </a:solidFill>
-                        <a:latin typeface="+mj-lt"/>
-                        <a:ea typeface="Verdana" panose="020B0604030504040204" pitchFamily="34" charset="0"/>
-                        <a:cs typeface="Verdana" panose="020B0604030504040204" pitchFamily="34" charset="0"/>
-                      </a:endParaRPr>
                     </a:p>
                   </a:txBody>
                   <a:tcPr marT="45702" marB="45702" anchor="ctr" horzOverflow="overflow"/>
@@ -19644,8 +19636,16 @@
                           <a:ea typeface="Verdana" panose="020B0604030504040204" pitchFamily="34" charset="0"/>
                           <a:cs typeface="Verdana" panose="020B0604030504040204" pitchFamily="34" charset="0"/>
                         </a:rPr>
-                        <a:t>EN REVISIÓN</a:t>
+                        <a:t>REVISADO</a:t>
                       </a:r>
+                      <a:endParaRPr lang="es-ES" sz="1200" b="1" kern="1200" dirty="0" smtClean="0">
+                        <a:solidFill>
+                          <a:schemeClr val="dk1"/>
+                        </a:solidFill>
+                        <a:latin typeface="+mj-lt"/>
+                        <a:ea typeface="Verdana" panose="020B0604030504040204" pitchFamily="34" charset="0"/>
+                        <a:cs typeface="Verdana" panose="020B0604030504040204" pitchFamily="34" charset="0"/>
+                      </a:endParaRPr>
                     </a:p>
                   </a:txBody>
                   <a:tcPr marT="45702" marB="45702" anchor="ctr" horzOverflow="overflow"/>
@@ -19804,6 +19804,17 @@
                         <a:buNone/>
                         <a:tabLst/>
                       </a:pPr>
+                      <a:r>
+                        <a:rPr lang="es-ES" sz="1200" b="1" kern="1200" dirty="0" smtClean="0">
+                          <a:solidFill>
+                            <a:schemeClr val="dk1"/>
+                          </a:solidFill>
+                          <a:latin typeface="+mj-lt"/>
+                          <a:ea typeface="Verdana" panose="020B0604030504040204" pitchFamily="34" charset="0"/>
+                          <a:cs typeface="Verdana" panose="020B0604030504040204" pitchFamily="34" charset="0"/>
+                        </a:rPr>
+                        <a:t>0.2</a:t>
+                      </a:r>
                       <a:endParaRPr lang="es-ES" sz="1200" b="1" kern="1200" dirty="0" smtClean="0">
                         <a:solidFill>
                           <a:schemeClr val="dk1"/>
@@ -19837,6 +19848,17 @@
                         <a:buNone/>
                         <a:tabLst/>
                       </a:pPr>
+                      <a:r>
+                        <a:rPr lang="es-ES" sz="1200" b="1" kern="1200" dirty="0" smtClean="0">
+                          <a:solidFill>
+                            <a:schemeClr val="dk1"/>
+                          </a:solidFill>
+                          <a:latin typeface="+mj-lt"/>
+                          <a:ea typeface="Verdana" panose="020B0604030504040204" pitchFamily="34" charset="0"/>
+                          <a:cs typeface="Verdana" panose="020B0604030504040204" pitchFamily="34" charset="0"/>
+                        </a:rPr>
+                        <a:t>05/07/2016</a:t>
+                      </a:r>
                       <a:endParaRPr lang="es-ES" sz="1200" b="1" kern="1200" dirty="0" smtClean="0">
                         <a:solidFill>
                           <a:schemeClr val="dk1"/>
@@ -19870,6 +19892,131 @@
                         <a:buNone/>
                         <a:tabLst/>
                       </a:pPr>
+                      <a:r>
+                        <a:rPr lang="es-ES" sz="1200" b="1" kern="1200" dirty="0" smtClean="0">
+                          <a:solidFill>
+                            <a:schemeClr val="dk1"/>
+                          </a:solidFill>
+                          <a:latin typeface="+mn-lt"/>
+                          <a:ea typeface="Verdana" panose="020B0604030504040204" pitchFamily="34" charset="0"/>
+                          <a:cs typeface="Verdana" panose="020B0604030504040204" pitchFamily="34" charset="0"/>
+                        </a:rPr>
+                        <a:t>Alfredo</a:t>
+                      </a:r>
+                      <a:r>
+                        <a:rPr lang="es-ES" sz="1200" b="1" kern="1200" baseline="0" dirty="0" smtClean="0">
+                          <a:solidFill>
+                            <a:schemeClr val="dk1"/>
+                          </a:solidFill>
+                          <a:latin typeface="+mn-lt"/>
+                          <a:ea typeface="Verdana" panose="020B0604030504040204" pitchFamily="34" charset="0"/>
+                          <a:cs typeface="Verdana" panose="020B0604030504040204" pitchFamily="34" charset="0"/>
+                        </a:rPr>
+                        <a:t> </a:t>
+                      </a:r>
+                      <a:r>
+                        <a:rPr lang="es-ES" sz="1200" b="1" kern="1200" baseline="0" dirty="0" err="1" smtClean="0">
+                          <a:solidFill>
+                            <a:schemeClr val="dk1"/>
+                          </a:solidFill>
+                          <a:latin typeface="+mn-lt"/>
+                          <a:ea typeface="Verdana" panose="020B0604030504040204" pitchFamily="34" charset="0"/>
+                          <a:cs typeface="Verdana" panose="020B0604030504040204" pitchFamily="34" charset="0"/>
+                        </a:rPr>
+                        <a:t>Eguiluz</a:t>
+                      </a:r>
+                      <a:endParaRPr lang="es-ES" sz="1200" b="1" kern="1200" dirty="0" smtClean="0">
+                        <a:solidFill>
+                          <a:schemeClr val="dk1"/>
+                        </a:solidFill>
+                        <a:latin typeface="+mn-lt"/>
+                        <a:ea typeface="Verdana" panose="020B0604030504040204" pitchFamily="34" charset="0"/>
+                        <a:cs typeface="Verdana" panose="020B0604030504040204" pitchFamily="34" charset="0"/>
+                      </a:endParaRPr>
+                    </a:p>
+                    <a:p>
+                      <a:pPr marL="0" marR="0" lvl="0" indent="0" algn="ctr" defTabSz="457200" rtl="0" eaLnBrk="1" fontAlgn="base" latinLnBrk="0" hangingPunct="1">
+                        <a:lnSpc>
+                          <a:spcPct val="100000"/>
+                        </a:lnSpc>
+                        <a:spcBef>
+                          <a:spcPct val="20000"/>
+                        </a:spcBef>
+                        <a:spcAft>
+                          <a:spcPct val="0"/>
+                        </a:spcAft>
+                        <a:buClrTx/>
+                        <a:buSzTx/>
+                        <a:buFontTx/>
+                        <a:buNone/>
+                        <a:tabLst/>
+                      </a:pPr>
+                      <a:r>
+                        <a:rPr lang="es-ES" sz="1200" b="1" kern="1200" dirty="0" smtClean="0">
+                          <a:solidFill>
+                            <a:schemeClr val="dk1"/>
+                          </a:solidFill>
+                          <a:latin typeface="+mn-lt"/>
+                          <a:ea typeface="Verdana" panose="020B0604030504040204" pitchFamily="34" charset="0"/>
+                          <a:cs typeface="Verdana" panose="020B0604030504040204" pitchFamily="34" charset="0"/>
+                        </a:rPr>
+                        <a:t>(Analista</a:t>
+                      </a:r>
+                      <a:r>
+                        <a:rPr lang="es-ES" sz="1200" b="1" kern="1200" baseline="0" dirty="0" smtClean="0">
+                          <a:solidFill>
+                            <a:schemeClr val="dk1"/>
+                          </a:solidFill>
+                          <a:latin typeface="+mn-lt"/>
+                          <a:ea typeface="Verdana" panose="020B0604030504040204" pitchFamily="34" charset="0"/>
+                          <a:cs typeface="Verdana" panose="020B0604030504040204" pitchFamily="34" charset="0"/>
+                        </a:rPr>
+                        <a:t> Funcional)</a:t>
+                      </a:r>
+                      <a:endParaRPr lang="es-ES" sz="1200" b="1" kern="1200" dirty="0" smtClean="0">
+                        <a:solidFill>
+                          <a:schemeClr val="dk1"/>
+                        </a:solidFill>
+                        <a:latin typeface="+mn-lt"/>
+                        <a:ea typeface="Verdana" panose="020B0604030504040204" pitchFamily="34" charset="0"/>
+                        <a:cs typeface="Verdana" panose="020B0604030504040204" pitchFamily="34" charset="0"/>
+                      </a:endParaRPr>
+                    </a:p>
+                  </a:txBody>
+                  <a:tcPr marT="45702" marB="45702" anchor="ctr" horzOverflow="overflow"/>
+                </a:tc>
+                <a:tc>
+                  <a:txBody>
+                    <a:bodyPr/>
+                    <a:lstStyle/>
+                    <a:p>
+                      <a:pPr marL="0" marR="0" lvl="0" indent="0" algn="ctr" defTabSz="457200" rtl="0" eaLnBrk="1" fontAlgn="base" latinLnBrk="0" hangingPunct="1">
+                        <a:lnSpc>
+                          <a:spcPct val="100000"/>
+                        </a:lnSpc>
+                        <a:spcBef>
+                          <a:spcPct val="20000"/>
+                        </a:spcBef>
+                        <a:spcAft>
+                          <a:spcPct val="0"/>
+                        </a:spcAft>
+                        <a:buClrTx/>
+                        <a:buSzTx/>
+                        <a:buFontTx/>
+                        <a:buNone/>
+                        <a:tabLst/>
+                      </a:pPr>
+                      <a:r>
+                        <a:rPr lang="es-ES" sz="1200" b="1" kern="1200" dirty="0" smtClean="0">
+                          <a:solidFill>
+                            <a:schemeClr val="dk1"/>
+                          </a:solidFill>
+                          <a:latin typeface="+mj-lt"/>
+                          <a:ea typeface="Verdana" panose="020B0604030504040204" pitchFamily="34" charset="0"/>
+                          <a:cs typeface="Verdana" panose="020B0604030504040204" pitchFamily="34" charset="0"/>
+                        </a:rPr>
+                        <a:t>REVISADO</a:t>
+                      </a:r>
                       <a:endParaRPr lang="es-ES" sz="1200" b="1" kern="1200" dirty="0" smtClean="0">
                         <a:solidFill>
                           <a:schemeClr val="dk1"/>
@@ -19903,22 +20050,48 @@
                         <a:buNone/>
                         <a:tabLst/>
                       </a:pPr>
+                      <a:r>
+                        <a:rPr lang="es-ES" sz="1200" b="1" kern="1200" dirty="0" err="1" smtClean="0">
+                          <a:solidFill>
+                            <a:schemeClr val="dk1"/>
+                          </a:solidFill>
+                          <a:latin typeface="+mn-lt"/>
+                          <a:ea typeface="Verdana" panose="020B0604030504040204" pitchFamily="34" charset="0"/>
+                          <a:cs typeface="Verdana" panose="020B0604030504040204" pitchFamily="34" charset="0"/>
+                        </a:rPr>
+                        <a:t>Carluis</a:t>
+                      </a:r>
+                      <a:r>
+                        <a:rPr lang="es-ES" sz="1200" b="1" kern="1200" dirty="0" smtClean="0">
+                          <a:solidFill>
+                            <a:schemeClr val="dk1"/>
+                          </a:solidFill>
+                          <a:latin typeface="+mn-lt"/>
+                          <a:ea typeface="Verdana" panose="020B0604030504040204" pitchFamily="34" charset="0"/>
+                          <a:cs typeface="Verdana" panose="020B0604030504040204" pitchFamily="34" charset="0"/>
+                        </a:rPr>
+                        <a:t> </a:t>
+                      </a:r>
+                      <a:r>
+                        <a:rPr lang="es-ES" sz="1200" b="1" kern="1200" dirty="0" err="1" smtClean="0">
+                          <a:solidFill>
+                            <a:schemeClr val="dk1"/>
+                          </a:solidFill>
+                          <a:latin typeface="+mn-lt"/>
+                          <a:ea typeface="Verdana" panose="020B0604030504040204" pitchFamily="34" charset="0"/>
+                          <a:cs typeface="Verdana" panose="020B0604030504040204" pitchFamily="34" charset="0"/>
+                        </a:rPr>
+                        <a:t>Oyola</a:t>
+                      </a:r>
                       <a:endParaRPr lang="es-ES" sz="1200" b="1" kern="1200" dirty="0" smtClean="0">
                         <a:solidFill>
                           <a:schemeClr val="dk1"/>
                         </a:solidFill>
-                        <a:latin typeface="+mj-lt"/>
+                        <a:latin typeface="+mn-lt"/>
                         <a:ea typeface="Verdana" panose="020B0604030504040204" pitchFamily="34" charset="0"/>
                         <a:cs typeface="Verdana" panose="020B0604030504040204" pitchFamily="34" charset="0"/>
                       </a:endParaRPr>
                     </a:p>
-                  </a:txBody>
-                  <a:tcPr marT="45702" marB="45702" anchor="ctr" horzOverflow="overflow"/>
-                </a:tc>
-                <a:tc>
-                  <a:txBody>
-                    <a:bodyPr/>
-                    <a:lstStyle/>
                     <a:p>
                       <a:pPr marL="0" marR="0" lvl="0" indent="0" algn="ctr" defTabSz="457200" rtl="0" eaLnBrk="1" fontAlgn="base" latinLnBrk="0" hangingPunct="1">
                         <a:lnSpc>
@@ -19936,14 +20109,17 @@
                         <a:buNone/>
                         <a:tabLst/>
                       </a:pPr>
-                      <a:endParaRPr lang="es-ES" sz="1200" b="1" kern="1200" dirty="0" smtClean="0">
-                        <a:solidFill>
-                          <a:schemeClr val="dk1"/>
-                        </a:solidFill>
-                        <a:latin typeface="+mj-lt"/>
-                        <a:ea typeface="Verdana" panose="020B0604030504040204" pitchFamily="34" charset="0"/>
-                        <a:cs typeface="Verdana" panose="020B0604030504040204" pitchFamily="34" charset="0"/>
-                      </a:endParaRPr>
+                      <a:r>
+                        <a:rPr lang="es-ES" sz="1200" b="1" kern="1200" smtClean="0">
+                          <a:solidFill>
+                            <a:schemeClr val="dk1"/>
+                          </a:solidFill>
+                          <a:latin typeface="+mn-lt"/>
+                          <a:ea typeface="Verdana" panose="020B0604030504040204" pitchFamily="34" charset="0"/>
+                          <a:cs typeface="Verdana" panose="020B0604030504040204" pitchFamily="34" charset="0"/>
+                        </a:rPr>
+                        <a:t>(Analista de Calidad)</a:t>
+                      </a:r>
                     </a:p>
                   </a:txBody>
                   <a:tcPr marT="45702" marB="45702" anchor="ctr" horzOverflow="overflow"/>
@@ -21242,7 +21418,7 @@
             <a:fld id="{216C5678-EE20-4FA5-88E2-6E0BD67A2E26}" type="datetime1">
               <a:rPr lang="en-US" smtClean="0"/>
               <a:pPr/>
-              <a:t>6/20/2016</a:t>
+              <a:t>7/14/2016</a:t>
             </a:fld>
             <a:endParaRPr lang="en-US" dirty="0"/>
           </a:p>
@@ -21403,7 +21579,7 @@
           <a:p>
             <a:fld id="{216C5678-EE20-4FA5-88E2-6E0BD67A2E26}" type="datetime1">
               <a:rPr lang="en-US" smtClean="0"/>
-              <a:t>6/20/2016</a:t>
+              <a:t>7/14/2016</a:t>
             </a:fld>
             <a:endParaRPr lang="en-US" dirty="0"/>
           </a:p>
@@ -21732,7 +21908,7 @@
           <a:p>
             <a:fld id="{216C5678-EE20-4FA5-88E2-6E0BD67A2E26}" type="datetime1">
               <a:rPr lang="en-US" smtClean="0"/>
-              <a:t>6/20/2016</a:t>
+              <a:t>7/14/2016</a:t>
             </a:fld>
             <a:endParaRPr lang="en-US" dirty="0"/>
           </a:p>
@@ -21923,7 +22099,7 @@
           <a:p>
             <a:fld id="{216C5678-EE20-4FA5-88E2-6E0BD67A2E26}" type="datetime1">
               <a:rPr lang="en-US" smtClean="0"/>
-              <a:t>6/20/2016</a:t>
+              <a:t>7/14/2016</a:t>
             </a:fld>
             <a:endParaRPr lang="en-US" dirty="0"/>
           </a:p>
@@ -22617,7 +22793,7 @@
           <a:p>
             <a:fld id="{216C5678-EE20-4FA5-88E2-6E0BD67A2E26}" type="datetime1">
               <a:rPr lang="en-US" smtClean="0"/>
-              <a:t>6/20/2016</a:t>
+              <a:t>7/14/2016</a:t>
             </a:fld>
             <a:endParaRPr lang="en-US" dirty="0"/>
           </a:p>
@@ -22780,7 +22956,7 @@
           <a:p>
             <a:fld id="{216C5678-EE20-4FA5-88E2-6E0BD67A2E26}" type="datetime1">
               <a:rPr lang="en-US" smtClean="0"/>
-              <a:t>6/20/2016</a:t>
+              <a:t>7/14/2016</a:t>
             </a:fld>
             <a:endParaRPr lang="en-US" dirty="0"/>
           </a:p>
@@ -22971,7 +23147,7 @@
           <a:p>
             <a:fld id="{216C5678-EE20-4FA5-88E2-6E0BD67A2E26}" type="datetime1">
               <a:rPr lang="en-US" smtClean="0"/>
-              <a:t>6/20/2016</a:t>
+              <a:t>7/14/2016</a:t>
             </a:fld>
             <a:endParaRPr lang="en-US" dirty="0"/>
           </a:p>
